--- a/2014182048_김령운_2DGP_중간발표.pptx
+++ b/2014182048_김령운_2DGP_중간발표.pptx
@@ -108,6 +108,11 @@
       </a:defRPr>
     </a:lvl9pPr>
   </p:defaultTextStyle>
+  <p:extLst>
+    <p:ext uri="{EFAFB233-063F-42B5-8137-9DF3F51BA10A}">
+      <p15:sldGuideLst xmlns:p15="http://schemas.microsoft.com/office/powerpoint/2012/main"/>
+    </p:ext>
+  </p:extLst>
 </p:presentation>
 </file>
 
@@ -250,7 +255,7 @@
           <a:p>
             <a:fld id="{F42ECAD8-0BCA-4023-B305-E7C76ACA9D4C}" type="datetimeFigureOut">
               <a:rPr lang="ko-KR" altLang="en-US" smtClean="0"/>
-              <a:t>2018-11-04</a:t>
+              <a:t>2018-11-14</a:t>
             </a:fld>
             <a:endParaRPr lang="ko-KR" altLang="en-US"/>
           </a:p>
@@ -467,7 +472,7 @@
           <a:p>
             <a:fld id="{F42ECAD8-0BCA-4023-B305-E7C76ACA9D4C}" type="datetimeFigureOut">
               <a:rPr lang="ko-KR" altLang="en-US" smtClean="0"/>
-              <a:t>2018-11-04</a:t>
+              <a:t>2018-11-14</a:t>
             </a:fld>
             <a:endParaRPr lang="ko-KR" altLang="en-US"/>
           </a:p>
@@ -688,7 +693,7 @@
           <a:p>
             <a:fld id="{F42ECAD8-0BCA-4023-B305-E7C76ACA9D4C}" type="datetimeFigureOut">
               <a:rPr lang="ko-KR" altLang="en-US" smtClean="0"/>
-              <a:t>2018-11-04</a:t>
+              <a:t>2018-11-14</a:t>
             </a:fld>
             <a:endParaRPr lang="ko-KR" altLang="en-US"/>
           </a:p>
@@ -895,7 +900,7 @@
           <a:p>
             <a:fld id="{F42ECAD8-0BCA-4023-B305-E7C76ACA9D4C}" type="datetimeFigureOut">
               <a:rPr lang="ko-KR" altLang="en-US" smtClean="0"/>
-              <a:t>2018-11-04</a:t>
+              <a:t>2018-11-14</a:t>
             </a:fld>
             <a:endParaRPr lang="ko-KR" altLang="en-US"/>
           </a:p>
@@ -1180,7 +1185,7 @@
           <a:p>
             <a:fld id="{F42ECAD8-0BCA-4023-B305-E7C76ACA9D4C}" type="datetimeFigureOut">
               <a:rPr lang="ko-KR" altLang="en-US" smtClean="0"/>
-              <a:t>2018-11-04</a:t>
+              <a:t>2018-11-14</a:t>
             </a:fld>
             <a:endParaRPr lang="ko-KR" altLang="en-US"/>
           </a:p>
@@ -1454,7 +1459,7 @@
           <a:p>
             <a:fld id="{F42ECAD8-0BCA-4023-B305-E7C76ACA9D4C}" type="datetimeFigureOut">
               <a:rPr lang="ko-KR" altLang="en-US" smtClean="0"/>
-              <a:t>2018-11-04</a:t>
+              <a:t>2018-11-14</a:t>
             </a:fld>
             <a:endParaRPr lang="ko-KR" altLang="en-US"/>
           </a:p>
@@ -1876,7 +1881,7 @@
           <a:p>
             <a:fld id="{F42ECAD8-0BCA-4023-B305-E7C76ACA9D4C}" type="datetimeFigureOut">
               <a:rPr lang="ko-KR" altLang="en-US" smtClean="0"/>
-              <a:t>2018-11-04</a:t>
+              <a:t>2018-11-14</a:t>
             </a:fld>
             <a:endParaRPr lang="ko-KR" altLang="en-US"/>
           </a:p>
@@ -2031,7 +2036,7 @@
           <a:p>
             <a:fld id="{F42ECAD8-0BCA-4023-B305-E7C76ACA9D4C}" type="datetimeFigureOut">
               <a:rPr lang="ko-KR" altLang="en-US" smtClean="0"/>
-              <a:t>2018-11-04</a:t>
+              <a:t>2018-11-14</a:t>
             </a:fld>
             <a:endParaRPr lang="ko-KR" altLang="en-US"/>
           </a:p>
@@ -2163,7 +2168,7 @@
           <a:p>
             <a:fld id="{F42ECAD8-0BCA-4023-B305-E7C76ACA9D4C}" type="datetimeFigureOut">
               <a:rPr lang="ko-KR" altLang="en-US" smtClean="0"/>
-              <a:t>2018-11-04</a:t>
+              <a:t>2018-11-14</a:t>
             </a:fld>
             <a:endParaRPr lang="ko-KR" altLang="en-US"/>
           </a:p>
@@ -2414,7 +2419,7 @@
           <a:p>
             <a:fld id="{F42ECAD8-0BCA-4023-B305-E7C76ACA9D4C}" type="datetimeFigureOut">
               <a:rPr lang="ko-KR" altLang="en-US" smtClean="0"/>
-              <a:t>2018-11-04</a:t>
+              <a:t>2018-11-14</a:t>
             </a:fld>
             <a:endParaRPr lang="ko-KR" altLang="en-US"/>
           </a:p>
@@ -2869,7 +2874,7 @@
           <a:p>
             <a:fld id="{F42ECAD8-0BCA-4023-B305-E7C76ACA9D4C}" type="datetimeFigureOut">
               <a:rPr lang="ko-KR" altLang="en-US" smtClean="0"/>
-              <a:t>2018-11-04</a:t>
+              <a:t>2018-11-14</a:t>
             </a:fld>
             <a:endParaRPr lang="ko-KR" altLang="en-US"/>
           </a:p>
@@ -3195,7 +3200,7 @@
           <a:p>
             <a:fld id="{F42ECAD8-0BCA-4023-B305-E7C76ACA9D4C}" type="datetimeFigureOut">
               <a:rPr lang="ko-KR" altLang="en-US" smtClean="0"/>
-              <a:t>2018-11-04</a:t>
+              <a:t>2018-11-14</a:t>
             </a:fld>
             <a:endParaRPr lang="ko-KR" altLang="en-US"/>
           </a:p>
